--- a/search_Export/images/search_Export.pptx
+++ b/search_Export/images/search_Export.pptx
@@ -15,10 +15,12 @@
     <p:sldId id="271" r:id="rId9"/>
     <p:sldId id="268" r:id="rId10"/>
     <p:sldId id="269" r:id="rId11"/>
-    <p:sldId id="256" r:id="rId12"/>
-    <p:sldId id="258" r:id="rId13"/>
-    <p:sldId id="259" r:id="rId14"/>
-    <p:sldId id="260" r:id="rId15"/>
+    <p:sldId id="272" r:id="rId12"/>
+    <p:sldId id="273" r:id="rId13"/>
+    <p:sldId id="256" r:id="rId14"/>
+    <p:sldId id="258" r:id="rId15"/>
+    <p:sldId id="259" r:id="rId16"/>
+    <p:sldId id="260" r:id="rId17"/>
   </p:sldIdLst>
   <p:sldSz cx="12192000" cy="6858000"/>
   <p:notesSz cx="6858000" cy="9144000"/>
@@ -256,7 +258,7 @@
           <a:p>
             <a:fld id="{C9C5C8B1-AF6F-43FB-8ED7-D8AC773D6026}" type="datetimeFigureOut">
               <a:rPr lang="ko-KR" altLang="en-US" smtClean="0"/>
-              <a:t>2020-01-22</a:t>
+              <a:t>2020-01-23</a:t>
             </a:fld>
             <a:endParaRPr lang="ko-KR" altLang="en-US"/>
           </a:p>
@@ -426,7 +428,7 @@
           <a:p>
             <a:fld id="{C9C5C8B1-AF6F-43FB-8ED7-D8AC773D6026}" type="datetimeFigureOut">
               <a:rPr lang="ko-KR" altLang="en-US" smtClean="0"/>
-              <a:t>2020-01-22</a:t>
+              <a:t>2020-01-23</a:t>
             </a:fld>
             <a:endParaRPr lang="ko-KR" altLang="en-US"/>
           </a:p>
@@ -606,7 +608,7 @@
           <a:p>
             <a:fld id="{C9C5C8B1-AF6F-43FB-8ED7-D8AC773D6026}" type="datetimeFigureOut">
               <a:rPr lang="ko-KR" altLang="en-US" smtClean="0"/>
-              <a:t>2020-01-22</a:t>
+              <a:t>2020-01-23</a:t>
             </a:fld>
             <a:endParaRPr lang="ko-KR" altLang="en-US"/>
           </a:p>
@@ -776,7 +778,7 @@
           <a:p>
             <a:fld id="{C9C5C8B1-AF6F-43FB-8ED7-D8AC773D6026}" type="datetimeFigureOut">
               <a:rPr lang="ko-KR" altLang="en-US" smtClean="0"/>
-              <a:t>2020-01-22</a:t>
+              <a:t>2020-01-23</a:t>
             </a:fld>
             <a:endParaRPr lang="ko-KR" altLang="en-US"/>
           </a:p>
@@ -1022,7 +1024,7 @@
           <a:p>
             <a:fld id="{C9C5C8B1-AF6F-43FB-8ED7-D8AC773D6026}" type="datetimeFigureOut">
               <a:rPr lang="ko-KR" altLang="en-US" smtClean="0"/>
-              <a:t>2020-01-22</a:t>
+              <a:t>2020-01-23</a:t>
             </a:fld>
             <a:endParaRPr lang="ko-KR" altLang="en-US"/>
           </a:p>
@@ -1254,7 +1256,7 @@
           <a:p>
             <a:fld id="{C9C5C8B1-AF6F-43FB-8ED7-D8AC773D6026}" type="datetimeFigureOut">
               <a:rPr lang="ko-KR" altLang="en-US" smtClean="0"/>
-              <a:t>2020-01-22</a:t>
+              <a:t>2020-01-23</a:t>
             </a:fld>
             <a:endParaRPr lang="ko-KR" altLang="en-US"/>
           </a:p>
@@ -1621,7 +1623,7 @@
           <a:p>
             <a:fld id="{C9C5C8B1-AF6F-43FB-8ED7-D8AC773D6026}" type="datetimeFigureOut">
               <a:rPr lang="ko-KR" altLang="en-US" smtClean="0"/>
-              <a:t>2020-01-22</a:t>
+              <a:t>2020-01-23</a:t>
             </a:fld>
             <a:endParaRPr lang="ko-KR" altLang="en-US"/>
           </a:p>
@@ -1739,7 +1741,7 @@
           <a:p>
             <a:fld id="{C9C5C8B1-AF6F-43FB-8ED7-D8AC773D6026}" type="datetimeFigureOut">
               <a:rPr lang="ko-KR" altLang="en-US" smtClean="0"/>
-              <a:t>2020-01-22</a:t>
+              <a:t>2020-01-23</a:t>
             </a:fld>
             <a:endParaRPr lang="ko-KR" altLang="en-US"/>
           </a:p>
@@ -1834,7 +1836,7 @@
           <a:p>
             <a:fld id="{C9C5C8B1-AF6F-43FB-8ED7-D8AC773D6026}" type="datetimeFigureOut">
               <a:rPr lang="ko-KR" altLang="en-US" smtClean="0"/>
-              <a:t>2020-01-22</a:t>
+              <a:t>2020-01-23</a:t>
             </a:fld>
             <a:endParaRPr lang="ko-KR" altLang="en-US"/>
           </a:p>
@@ -2111,7 +2113,7 @@
           <a:p>
             <a:fld id="{C9C5C8B1-AF6F-43FB-8ED7-D8AC773D6026}" type="datetimeFigureOut">
               <a:rPr lang="ko-KR" altLang="en-US" smtClean="0"/>
-              <a:t>2020-01-22</a:t>
+              <a:t>2020-01-23</a:t>
             </a:fld>
             <a:endParaRPr lang="ko-KR" altLang="en-US"/>
           </a:p>
@@ -2364,7 +2366,7 @@
           <a:p>
             <a:fld id="{C9C5C8B1-AF6F-43FB-8ED7-D8AC773D6026}" type="datetimeFigureOut">
               <a:rPr lang="ko-KR" altLang="en-US" smtClean="0"/>
-              <a:t>2020-01-22</a:t>
+              <a:t>2020-01-23</a:t>
             </a:fld>
             <a:endParaRPr lang="ko-KR" altLang="en-US"/>
           </a:p>
@@ -2577,7 +2579,7 @@
           <a:p>
             <a:fld id="{C9C5C8B1-AF6F-43FB-8ED7-D8AC773D6026}" type="datetimeFigureOut">
               <a:rPr lang="ko-KR" altLang="en-US" smtClean="0"/>
-              <a:t>2020-01-22</a:t>
+              <a:t>2020-01-23</a:t>
             </a:fld>
             <a:endParaRPr lang="ko-KR" altLang="en-US"/>
           </a:p>
@@ -3130,24 +3132,24 @@
           <a:lstStyle/>
           <a:p>
             <a:r>
-              <a:rPr lang="ko-KR" altLang="en-US" smtClean="0"/>
+              <a:rPr lang="ko-KR" altLang="en-US" dirty="0" smtClean="0"/>
               <a:t>export_HDFS_0</a:t>
             </a:r>
             <a:r>
-              <a:rPr lang="en-US" altLang="ko-KR" smtClean="0"/>
+              <a:rPr lang="en-US" altLang="ko-KR" dirty="0" smtClean="0"/>
               <a:t>5.png </a:t>
             </a:r>
             <a:r>
-              <a:rPr lang="en-US" altLang="ko-KR" smtClean="0">
+              <a:rPr lang="en-US" altLang="ko-KR" dirty="0" smtClean="0">
                 <a:sym typeface="Wingdings" panose="05000000000000000000" pitchFamily="2" charset="2"/>
               </a:rPr>
               <a:t> </a:t>
             </a:r>
             <a:r>
-              <a:rPr lang="en-US" altLang="ko-KR" smtClean="0"/>
+              <a:rPr lang="en-US" altLang="ko-KR" dirty="0" smtClean="0"/>
               <a:t>export_HDFS_st_05.png</a:t>
             </a:r>
-            <a:endParaRPr lang="en-US" altLang="ko-KR"/>
+            <a:endParaRPr lang="en-US" altLang="ko-KR" dirty="0"/>
           </a:p>
         </p:txBody>
       </p:sp>
@@ -3211,6 +3213,175 @@
 </file>
 
 <file path=ppt/slides/slide11.xml><?xml version="1.0" encoding="utf-8"?>
+<p:sld xmlns:a="http://schemas.openxmlformats.org/drawingml/2006/main" xmlns:r="http://schemas.openxmlformats.org/officeDocument/2006/relationships" xmlns:p="http://schemas.openxmlformats.org/presentationml/2006/main">
+  <p:cSld>
+    <p:spTree>
+      <p:nvGrpSpPr>
+        <p:cNvPr id="1" name=""/>
+        <p:cNvGrpSpPr/>
+        <p:nvPr/>
+      </p:nvGrpSpPr>
+      <p:grpSpPr>
+        <a:xfrm>
+          <a:off x="0" y="0"/>
+          <a:ext cx="0" cy="0"/>
+          <a:chOff x="0" y="0"/>
+          <a:chExt cx="0" cy="0"/>
+        </a:xfrm>
+      </p:grpSpPr>
+      <p:pic>
+        <p:nvPicPr>
+          <p:cNvPr id="4" name="그림 3"/>
+          <p:cNvPicPr>
+            <a:picLocks noChangeAspect="1"/>
+          </p:cNvPicPr>
+          <p:nvPr/>
+        </p:nvPicPr>
+        <p:blipFill>
+          <a:blip r:embed="rId2">
+            <a:extLst>
+              <a:ext uri="{28A0092B-C50C-407E-A947-70E740481C1C}">
+                <a14:useLocalDpi xmlns:a14="http://schemas.microsoft.com/office/drawing/2010/main" val="0"/>
+              </a:ext>
+            </a:extLst>
+          </a:blip>
+          <a:stretch>
+            <a:fillRect/>
+          </a:stretch>
+        </p:blipFill>
+        <p:spPr>
+          <a:xfrm>
+            <a:off x="1086929" y="1169898"/>
+            <a:ext cx="10058400" cy="4709636"/>
+          </a:xfrm>
+          <a:prstGeom prst="rect">
+            <a:avLst/>
+          </a:prstGeom>
+          <a:ln>
+            <a:solidFill>
+              <a:schemeClr val="tx1">
+                <a:lumMod val="95000"/>
+                <a:lumOff val="5000"/>
+              </a:schemeClr>
+            </a:solidFill>
+          </a:ln>
+        </p:spPr>
+      </p:pic>
+      <p:sp>
+        <p:nvSpPr>
+          <p:cNvPr id="5" name="직사각형 4"/>
+          <p:cNvSpPr/>
+          <p:nvPr/>
+        </p:nvSpPr>
+        <p:spPr>
+          <a:xfrm>
+            <a:off x="917037" y="207836"/>
+            <a:ext cx="2421625" cy="369332"/>
+          </a:xfrm>
+          <a:prstGeom prst="rect">
+            <a:avLst/>
+          </a:prstGeom>
+        </p:spPr>
+        <p:txBody>
+          <a:bodyPr wrap="none">
+            <a:spAutoFit/>
+          </a:bodyPr>
+          <a:lstStyle/>
+          <a:p>
+            <a:r>
+              <a:rPr lang="ko-KR" altLang="en-US" dirty="0" smtClean="0"/>
+              <a:t>export_HDFS_0</a:t>
+            </a:r>
+            <a:r>
+              <a:rPr lang="en-US" altLang="ko-KR" dirty="0" smtClean="0"/>
+              <a:t>6.png </a:t>
+            </a:r>
+            <a:endParaRPr lang="ko-KR" altLang="en-US" dirty="0"/>
+          </a:p>
+        </p:txBody>
+      </p:sp>
+    </p:spTree>
+    <p:extLst>
+      <p:ext uri="{BB962C8B-B14F-4D97-AF65-F5344CB8AC3E}">
+        <p14:creationId xmlns:p14="http://schemas.microsoft.com/office/powerpoint/2010/main" val="1442440748"/>
+      </p:ext>
+    </p:extLst>
+  </p:cSld>
+  <p:clrMapOvr>
+    <a:masterClrMapping/>
+  </p:clrMapOvr>
+</p:sld>
+</file>
+
+<file path=ppt/slides/slide12.xml><?xml version="1.0" encoding="utf-8"?>
+<p:sld xmlns:a="http://schemas.openxmlformats.org/drawingml/2006/main" xmlns:r="http://schemas.openxmlformats.org/officeDocument/2006/relationships" xmlns:p="http://schemas.openxmlformats.org/presentationml/2006/main">
+  <p:cSld>
+    <p:spTree>
+      <p:nvGrpSpPr>
+        <p:cNvPr id="1" name=""/>
+        <p:cNvGrpSpPr/>
+        <p:nvPr/>
+      </p:nvGrpSpPr>
+      <p:grpSpPr>
+        <a:xfrm>
+          <a:off x="0" y="0"/>
+          <a:ext cx="0" cy="0"/>
+          <a:chOff x="0" y="0"/>
+          <a:chExt cx="0" cy="0"/>
+        </a:xfrm>
+      </p:grpSpPr>
+      <p:sp>
+        <p:nvSpPr>
+          <p:cNvPr id="2" name="제목 1"/>
+          <p:cNvSpPr>
+            <a:spLocks noGrp="1"/>
+          </p:cNvSpPr>
+          <p:nvPr>
+            <p:ph type="title"/>
+          </p:nvPr>
+        </p:nvSpPr>
+        <p:spPr/>
+        <p:txBody>
+          <a:bodyPr/>
+          <a:lstStyle/>
+          <a:p>
+            <a:endParaRPr lang="ko-KR" altLang="en-US"/>
+          </a:p>
+        </p:txBody>
+      </p:sp>
+      <p:sp>
+        <p:nvSpPr>
+          <p:cNvPr id="3" name="내용 개체 틀 2"/>
+          <p:cNvSpPr>
+            <a:spLocks noGrp="1"/>
+          </p:cNvSpPr>
+          <p:nvPr>
+            <p:ph idx="1"/>
+          </p:nvPr>
+        </p:nvSpPr>
+        <p:spPr/>
+        <p:txBody>
+          <a:bodyPr/>
+          <a:lstStyle/>
+          <a:p>
+            <a:endParaRPr lang="ko-KR" altLang="en-US"/>
+          </a:p>
+        </p:txBody>
+      </p:sp>
+    </p:spTree>
+    <p:extLst>
+      <p:ext uri="{BB962C8B-B14F-4D97-AF65-F5344CB8AC3E}">
+        <p14:creationId xmlns:p14="http://schemas.microsoft.com/office/powerpoint/2010/main" val="328560807"/>
+      </p:ext>
+    </p:extLst>
+  </p:cSld>
+  <p:clrMapOvr>
+    <a:masterClrMapping/>
+  </p:clrMapOvr>
+</p:sld>
+</file>
+
+<file path=ppt/slides/slide13.xml><?xml version="1.0" encoding="utf-8"?>
 <p:sld xmlns:a="http://schemas.openxmlformats.org/drawingml/2006/main" xmlns:r="http://schemas.openxmlformats.org/officeDocument/2006/relationships" xmlns:p="http://schemas.openxmlformats.org/presentationml/2006/main">
   <p:cSld>
     <p:spTree>
@@ -3883,7 +4054,7 @@
 </p:sld>
 </file>
 
-<file path=ppt/slides/slide12.xml><?xml version="1.0" encoding="utf-8"?>
+<file path=ppt/slides/slide14.xml><?xml version="1.0" encoding="utf-8"?>
 <p:sld xmlns:a="http://schemas.openxmlformats.org/drawingml/2006/main" xmlns:r="http://schemas.openxmlformats.org/officeDocument/2006/relationships" xmlns:p="http://schemas.openxmlformats.org/presentationml/2006/main">
   <p:cSld>
     <p:spTree>
@@ -4087,7 +4258,7 @@
 </p:sld>
 </file>
 
-<file path=ppt/slides/slide13.xml><?xml version="1.0" encoding="utf-8"?>
+<file path=ppt/slides/slide15.xml><?xml version="1.0" encoding="utf-8"?>
 <p:sld xmlns:a="http://schemas.openxmlformats.org/drawingml/2006/main" xmlns:r="http://schemas.openxmlformats.org/officeDocument/2006/relationships" xmlns:p="http://schemas.openxmlformats.org/presentationml/2006/main">
   <p:cSld>
     <p:spTree>
@@ -4280,7 +4451,7 @@
 </p:sld>
 </file>
 
-<file path=ppt/slides/slide14.xml><?xml version="1.0" encoding="utf-8"?>
+<file path=ppt/slides/slide16.xml><?xml version="1.0" encoding="utf-8"?>
 <p:sld xmlns:a="http://schemas.openxmlformats.org/drawingml/2006/main" xmlns:r="http://schemas.openxmlformats.org/officeDocument/2006/relationships" xmlns:p="http://schemas.openxmlformats.org/presentationml/2006/main">
   <p:cSld>
     <p:spTree>
